--- a/EE6690.pptx
+++ b/EE6690.pptx
@@ -5,13 +5,16 @@
     <p:sldMasterId id="2147483660" r:id="rId4"/>
   </p:sldMasterIdLst>
   <p:notesMasterIdLst>
-    <p:notesMasterId r:id="rId9"/>
+    <p:notesMasterId r:id="rId12"/>
   </p:notesMasterIdLst>
   <p:sldIdLst>
     <p:sldId id="283" r:id="rId5"/>
-    <p:sldId id="285" r:id="rId6"/>
-    <p:sldId id="286" r:id="rId7"/>
-    <p:sldId id="287" r:id="rId8"/>
+    <p:sldId id="293" r:id="rId6"/>
+    <p:sldId id="285" r:id="rId7"/>
+    <p:sldId id="286" r:id="rId8"/>
+    <p:sldId id="287" r:id="rId9"/>
+    <p:sldId id="291" r:id="rId10"/>
+    <p:sldId id="292" r:id="rId11"/>
   </p:sldIdLst>
   <p:sldSz cx="12192000" cy="6858000"/>
   <p:notesSz cx="6858000" cy="9144000"/>
@@ -227,7 +230,7 @@
           <pc:sldMk cId="3595411410" sldId="284"/>
         </pc:sldMkLst>
         <pc:spChg chg="mod">
-          <ac:chgData name="Wayne Kunze" userId="e8abfe49912026f7" providerId="LiveId" clId="{105A7ECD-3897-4610-8097-7F6408EC8FC0}" dt="2018-05-06T20:20:52.627" v="1115"/>
+          <ac:chgData name="Wayne Kunze" userId="e8abfe49912026f7" providerId="LiveId" clId="{105A7ECD-3897-4610-8097-7F6408EC8FC0}" dt="2018-05-06T20:20:52.627" v="1115" actId="2696"/>
           <ac:spMkLst>
             <pc:docMk/>
             <pc:sldMk cId="3595411410" sldId="284"/>
@@ -236,7 +239,7 @@
         </pc:spChg>
       </pc:sldChg>
       <pc:sldChg chg="add del">
-        <pc:chgData name="Wayne Kunze" userId="e8abfe49912026f7" providerId="LiveId" clId="{105A7ECD-3897-4610-8097-7F6408EC8FC0}" dt="2018-05-06T20:21:00.536" v="1117"/>
+        <pc:chgData name="Wayne Kunze" userId="e8abfe49912026f7" providerId="LiveId" clId="{105A7ECD-3897-4610-8097-7F6408EC8FC0}" dt="2018-05-06T20:21:00.536" v="1117" actId="20577"/>
         <pc:sldMkLst>
           <pc:docMk/>
           <pc:sldMk cId="2621425062" sldId="285"/>
@@ -398,7 +401,7 @@
           <a:p>
             <a:fld id="{1BB34FB5-92CB-409C-9460-1428F6551054}" type="datetimeFigureOut">
               <a:rPr lang="en-US"/>
-              <a:t>5/6/2018</a:t>
+              <a:t>5/7/2018</a:t>
             </a:fld>
             <a:endParaRPr lang="en-US" dirty="0"/>
           </a:p>
@@ -876,7 +879,7 @@
           <a:p>
             <a:fld id="{F1FA7AC5-6045-4418-8E60-F48788734473}" type="datetimeFigureOut">
               <a:rPr lang="en-US" smtClean="0"/>
-              <a:t>5/6/2018</a:t>
+              <a:t>5/7/2018</a:t>
             </a:fld>
             <a:endParaRPr lang="en-US" dirty="0"/>
           </a:p>
@@ -1165,7 +1168,7 @@
           <a:p>
             <a:fld id="{F1FA7AC5-6045-4418-8E60-F48788734473}" type="datetimeFigureOut">
               <a:rPr lang="en-US" smtClean="0"/>
-              <a:t>5/6/2018</a:t>
+              <a:t>5/7/2018</a:t>
             </a:fld>
             <a:endParaRPr lang="en-US" dirty="0"/>
           </a:p>
@@ -1423,7 +1426,7 @@
           <a:p>
             <a:fld id="{F1FA7AC5-6045-4418-8E60-F48788734473}" type="datetimeFigureOut">
               <a:rPr lang="en-US" smtClean="0"/>
-              <a:t>5/6/2018</a:t>
+              <a:t>5/7/2018</a:t>
             </a:fld>
             <a:endParaRPr lang="en-US" dirty="0"/>
           </a:p>
@@ -1891,7 +1894,7 @@
           <a:p>
             <a:fld id="{F1FA7AC5-6045-4418-8E60-F48788734473}" type="datetimeFigureOut">
               <a:rPr lang="en-US" smtClean="0"/>
-              <a:t>5/6/2018</a:t>
+              <a:t>5/7/2018</a:t>
             </a:fld>
             <a:endParaRPr lang="en-US" dirty="0"/>
           </a:p>
@@ -2070,7 +2073,7 @@
           <a:p>
             <a:fld id="{F1FA7AC5-6045-4418-8E60-F48788734473}" type="datetimeFigureOut">
               <a:rPr lang="en-US" smtClean="0"/>
-              <a:t>5/6/2018</a:t>
+              <a:t>5/7/2018</a:t>
             </a:fld>
             <a:endParaRPr lang="en-US" dirty="0"/>
           </a:p>
@@ -2645,7 +2648,7 @@
           <a:p>
             <a:fld id="{F1FA7AC5-6045-4418-8E60-F48788734473}" type="datetimeFigureOut">
               <a:rPr lang="en-US" smtClean="0"/>
-              <a:t>5/6/2018</a:t>
+              <a:t>5/7/2018</a:t>
             </a:fld>
             <a:endParaRPr lang="en-US" dirty="0"/>
           </a:p>
@@ -2976,7 +2979,7 @@
           <a:p>
             <a:fld id="{F1FA7AC5-6045-4418-8E60-F48788734473}" type="datetimeFigureOut">
               <a:rPr lang="en-US" smtClean="0"/>
-              <a:t>5/6/2018</a:t>
+              <a:t>5/7/2018</a:t>
             </a:fld>
             <a:endParaRPr lang="en-US" dirty="0"/>
           </a:p>
@@ -3149,7 +3152,7 @@
           <a:p>
             <a:fld id="{F1FA7AC5-6045-4418-8E60-F48788734473}" type="datetimeFigureOut">
               <a:rPr lang="en-US" smtClean="0"/>
-              <a:t>5/6/2018</a:t>
+              <a:t>5/7/2018</a:t>
             </a:fld>
             <a:endParaRPr lang="en-US" dirty="0"/>
           </a:p>
@@ -3327,7 +3330,7 @@
           <a:p>
             <a:fld id="{F1FA7AC5-6045-4418-8E60-F48788734473}" type="datetimeFigureOut">
               <a:rPr lang="en-US" smtClean="0"/>
-              <a:t>5/6/2018</a:t>
+              <a:t>5/7/2018</a:t>
             </a:fld>
             <a:endParaRPr lang="en-US" dirty="0"/>
           </a:p>
@@ -3495,7 +3498,7 @@
           <a:p>
             <a:fld id="{F1FA7AC5-6045-4418-8E60-F48788734473}" type="datetimeFigureOut">
               <a:rPr lang="en-US" smtClean="0"/>
-              <a:t>5/6/2018</a:t>
+              <a:t>5/7/2018</a:t>
             </a:fld>
             <a:endParaRPr lang="en-US" dirty="0"/>
           </a:p>
@@ -3751,7 +3754,7 @@
           <a:p>
             <a:fld id="{F1FA7AC5-6045-4418-8E60-F48788734473}" type="datetimeFigureOut">
               <a:rPr lang="en-US" smtClean="0"/>
-              <a:t>5/6/2018</a:t>
+              <a:t>5/7/2018</a:t>
             </a:fld>
             <a:endParaRPr lang="en-US" dirty="0"/>
           </a:p>
@@ -4040,7 +4043,7 @@
           <a:p>
             <a:fld id="{F1FA7AC5-6045-4418-8E60-F48788734473}" type="datetimeFigureOut">
               <a:rPr lang="en-US" smtClean="0"/>
-              <a:t>5/6/2018</a:t>
+              <a:t>5/7/2018</a:t>
             </a:fld>
             <a:endParaRPr lang="en-US" dirty="0"/>
           </a:p>
@@ -4467,7 +4470,7 @@
           <a:p>
             <a:fld id="{F1FA7AC5-6045-4418-8E60-F48788734473}" type="datetimeFigureOut">
               <a:rPr lang="en-US" smtClean="0"/>
-              <a:t>5/6/2018</a:t>
+              <a:t>5/7/2018</a:t>
             </a:fld>
             <a:endParaRPr lang="en-US" dirty="0"/>
           </a:p>
@@ -4584,7 +4587,7 @@
           <a:p>
             <a:fld id="{F1FA7AC5-6045-4418-8E60-F48788734473}" type="datetimeFigureOut">
               <a:rPr lang="en-US" smtClean="0"/>
-              <a:t>5/6/2018</a:t>
+              <a:t>5/7/2018</a:t>
             </a:fld>
             <a:endParaRPr lang="en-US" dirty="0"/>
           </a:p>
@@ -4679,7 +4682,7 @@
           <a:p>
             <a:fld id="{F1FA7AC5-6045-4418-8E60-F48788734473}" type="datetimeFigureOut">
               <a:rPr lang="en-US" smtClean="0"/>
-              <a:t>5/6/2018</a:t>
+              <a:t>5/7/2018</a:t>
             </a:fld>
             <a:endParaRPr lang="en-US" dirty="0"/>
           </a:p>
@@ -4960,7 +4963,7 @@
           <a:p>
             <a:fld id="{F1FA7AC5-6045-4418-8E60-F48788734473}" type="datetimeFigureOut">
               <a:rPr lang="en-US" smtClean="0"/>
-              <a:t>5/6/2018</a:t>
+              <a:t>5/7/2018</a:t>
             </a:fld>
             <a:endParaRPr lang="en-US" dirty="0"/>
           </a:p>
@@ -5249,7 +5252,7 @@
           <a:p>
             <a:fld id="{F1FA7AC5-6045-4418-8E60-F48788734473}" type="datetimeFigureOut">
               <a:rPr lang="en-US" smtClean="0"/>
-              <a:t>5/6/2018</a:t>
+              <a:t>5/7/2018</a:t>
             </a:fld>
             <a:endParaRPr lang="en-US" dirty="0"/>
           </a:p>
@@ -5478,7 +5481,7 @@
           <a:p>
             <a:fld id="{F1FA7AC5-6045-4418-8E60-F48788734473}" type="datetimeFigureOut">
               <a:rPr lang="en-US" smtClean="0"/>
-              <a:t>5/6/2018</a:t>
+              <a:t>5/7/2018</a:t>
             </a:fld>
             <a:endParaRPr lang="en-US" dirty="0"/>
           </a:p>
@@ -6276,7 +6279,7 @@
             <a:pPr algn="ctr"/>
             <a:r>
               <a:rPr lang="en-US" dirty="0"/>
-              <a:t>Dimension Reduction and regulation</a:t>
+              <a:t>Recreation of results</a:t>
             </a:r>
           </a:p>
         </p:txBody>
@@ -6305,89 +6308,53 @@
         </p:spPr>
         <p:txBody>
           <a:bodyPr anchor="t">
-            <a:normAutofit fontScale="85000" lnSpcReduction="10000"/>
+            <a:normAutofit lnSpcReduction="10000"/>
           </a:bodyPr>
           <a:lstStyle/>
           <a:p>
             <a:r>
               <a:rPr lang="en-US" dirty="0"/>
-              <a:t>High Dimensional Model:</a:t>
+              <a:t>The paper, “Genome-wide transcriptional analysis of T cell activation reveals differential gene expression associated with psoriasis” looks at T cell gene expression rates from 24 patients.  </a:t>
             </a:r>
           </a:p>
           <a:p>
             <a:pPr lvl="1"/>
             <a:r>
               <a:rPr lang="en-US" dirty="0"/>
-              <a:t>Patients (N) = 24, Genes (P) = 47222, P is three orders of magnitude larger than N</a:t>
+              <a:t>The data is openly available</a:t>
             </a:r>
           </a:p>
           <a:p>
             <a:pPr lvl="1"/>
             <a:r>
               <a:rPr lang="en-US" dirty="0"/>
-              <a:t>Can’t use standard regression techniques when p &gt;&gt; N</a:t>
-            </a:r>
-          </a:p>
-          <a:p>
-            <a:r>
-              <a:rPr lang="en-US" dirty="0"/>
-              <a:t>“Gene Modules”</a:t>
+              <a:t>Psoriasis is a common autoimmune disease, where T cells target healthy skin cells</a:t>
+            </a:r>
+          </a:p>
+          <a:p>
+            <a:r>
+              <a:rPr lang="en-US" dirty="0"/>
+              <a:t>The paper found the fold increase (or decrease) of patients with psoriasis compared to those who did not have it</a:t>
             </a:r>
           </a:p>
           <a:p>
             <a:pPr lvl="1"/>
             <a:r>
               <a:rPr lang="en-US" dirty="0"/>
-              <a:t>Many genes are expressed in groups</a:t>
-            </a:r>
-          </a:p>
-          <a:p>
-            <a:pPr lvl="1"/>
-            <a:r>
-              <a:rPr lang="en-US" dirty="0"/>
-              <a:t>These groups of genes are not independent</a:t>
-            </a:r>
-          </a:p>
-          <a:p>
-            <a:r>
-              <a:rPr lang="en-US" dirty="0"/>
-              <a:t>Feature reduction or shrinkage methods may be employed to reduce the model dimension</a:t>
-            </a:r>
-          </a:p>
-          <a:p>
-            <a:r>
-              <a:rPr lang="en-US" dirty="0"/>
-              <a:t>Compare the features present in the reduced models to those identified in the paper as significantly up or down regulated in Psoriasis Patients</a:t>
-            </a:r>
-          </a:p>
-          <a:p>
-            <a:pPr lvl="1"/>
-            <a:r>
-              <a:rPr lang="en-US" dirty="0"/>
-              <a:t>Spats2l</a:t>
-            </a:r>
-          </a:p>
-          <a:p>
-            <a:pPr lvl="1"/>
-            <a:r>
-              <a:rPr lang="en-US" dirty="0"/>
-              <a:t>Klf6</a:t>
-            </a:r>
-          </a:p>
-          <a:p>
-            <a:pPr lvl="1"/>
-            <a:r>
-              <a:rPr lang="en-US" dirty="0"/>
-              <a:t>Sp140</a:t>
-            </a:r>
-          </a:p>
-          <a:p>
-            <a:pPr lvl="1"/>
-            <a:r>
-              <a:rPr lang="en-US" dirty="0" err="1"/>
-              <a:t>rora</a:t>
-            </a:r>
-            <a:endParaRPr lang="en-US" dirty="0"/>
+              <a:t>The paper preprocessed the data by eliminating genes which were expressed in fewer than 3 patients.  Then the algorithm of the data was found.</a:t>
+            </a:r>
+          </a:p>
+          <a:p>
+            <a:r>
+              <a:rPr lang="en-US" dirty="0"/>
+              <a:t>The results were not able to be reproduced.  Nor were the fold changes that were described in the data seen.  </a:t>
+            </a:r>
+          </a:p>
+          <a:p>
+            <a:r>
+              <a:rPr lang="en-US" dirty="0"/>
+              <a:t> </a:t>
+            </a:r>
           </a:p>
           <a:p>
             <a:pPr lvl="1"/>
@@ -6465,7 +6432,7 @@
             <a:pPr algn="ctr"/>
             <a:r>
               <a:rPr lang="en-US" dirty="0"/>
-              <a:t>Subset methods</a:t>
+              <a:t>Dimension Reduction and regulation</a:t>
             </a:r>
           </a:p>
         </p:txBody>
@@ -6494,86 +6461,88 @@
         </p:spPr>
         <p:txBody>
           <a:bodyPr anchor="t">
-            <a:normAutofit lnSpcReduction="10000"/>
+            <a:normAutofit fontScale="85000" lnSpcReduction="10000"/>
           </a:bodyPr>
           <a:lstStyle/>
           <a:p>
             <a:r>
               <a:rPr lang="en-US" dirty="0"/>
-              <a:t>Best subset is infeasible: 2</a:t>
-            </a:r>
-            <a:r>
-              <a:rPr lang="en-US" baseline="30000" dirty="0"/>
-              <a:t>47222</a:t>
-            </a:r>
-            <a:r>
-              <a:rPr lang="en-US" dirty="0"/>
-              <a:t> potential models is impossible to analyze</a:t>
-            </a:r>
-          </a:p>
-          <a:p>
-            <a:r>
-              <a:rPr lang="en-US" dirty="0"/>
-              <a:t>Backward stepwise</a:t>
+              <a:t>High Dimensional Model:</a:t>
             </a:r>
           </a:p>
           <a:p>
             <a:pPr lvl="1"/>
             <a:r>
               <a:rPr lang="en-US" dirty="0"/>
-              <a:t>Start with complete model</a:t>
+              <a:t>Patients (N) = 24, Genes (P) = 47222, P is three orders of magnitude larger than N</a:t>
             </a:r>
           </a:p>
           <a:p>
             <a:pPr lvl="1"/>
             <a:r>
               <a:rPr lang="en-US" dirty="0"/>
-              <a:t>Only can be used when P &lt; N</a:t>
-            </a:r>
-          </a:p>
-          <a:p>
-            <a:r>
-              <a:rPr lang="en-US" dirty="0"/>
-              <a:t>Forward Stepwise: O(47222 * 47222) models, large but not impossible</a:t>
+              <a:t>Can’t use standard regression techniques when p &gt;&gt; N</a:t>
+            </a:r>
+          </a:p>
+          <a:p>
+            <a:r>
+              <a:rPr lang="en-US" dirty="0"/>
+              <a:t>“Gene Modules”</a:t>
             </a:r>
           </a:p>
           <a:p>
             <a:pPr lvl="1"/>
             <a:r>
               <a:rPr lang="en-US" dirty="0"/>
-              <a:t>Start with the NULL model (y ~ 1)</a:t>
+              <a:t>Many genes are expressed in groups</a:t>
             </a:r>
           </a:p>
           <a:p>
             <a:pPr lvl="1"/>
             <a:r>
               <a:rPr lang="en-US" dirty="0"/>
-              <a:t>Only Forward method (start with null model) works when P &gt; N</a:t>
+              <a:t>These groups of genes are not independent</a:t>
+            </a:r>
+          </a:p>
+          <a:p>
+            <a:r>
+              <a:rPr lang="en-US" dirty="0"/>
+              <a:t>Feature reduction or shrinkage methods may be employed to reduce the model dimension</a:t>
+            </a:r>
+          </a:p>
+          <a:p>
+            <a:r>
+              <a:rPr lang="en-US" dirty="0"/>
+              <a:t>Compare the features present in the reduced models to those identified in the paper as significantly up or down regulated in Psoriasis Patients</a:t>
             </a:r>
           </a:p>
           <a:p>
             <a:pPr lvl="1"/>
             <a:r>
               <a:rPr lang="en-US" dirty="0"/>
-              <a:t>May still need to pre-filter genes with very low variation across the 24 samples to execute </a:t>
+              <a:t>Spats2l</a:t>
             </a:r>
           </a:p>
           <a:p>
             <a:pPr lvl="1"/>
             <a:r>
               <a:rPr lang="en-US" dirty="0"/>
-              <a:t>Logistic regression model appropriate to classification problem</a:t>
+              <a:t>Klf6</a:t>
             </a:r>
           </a:p>
           <a:p>
             <a:pPr lvl="1"/>
             <a:r>
               <a:rPr lang="en-US" dirty="0"/>
-              <a:t>Scoring method is AIC on the training set</a:t>
-            </a:r>
-          </a:p>
-          <a:p>
-            <a:pPr lvl="2"/>
+              <a:t>Sp140</a:t>
+            </a:r>
+          </a:p>
+          <a:p>
+            <a:pPr lvl="1"/>
+            <a:r>
+              <a:rPr lang="en-US" dirty="0" err="1"/>
+              <a:t>rora</a:t>
+            </a:r>
             <a:endParaRPr lang="en-US" dirty="0"/>
           </a:p>
           <a:p>
@@ -6596,7 +6565,7 @@
     </p:spTree>
     <p:extLst>
       <p:ext uri="{BB962C8B-B14F-4D97-AF65-F5344CB8AC3E}">
-        <p14:creationId xmlns:p14="http://schemas.microsoft.com/office/powerpoint/2010/main" val="3091149631"/>
+        <p14:creationId xmlns:p14="http://schemas.microsoft.com/office/powerpoint/2010/main" val="2019636570"/>
       </p:ext>
     </p:extLst>
   </p:cSld>
@@ -6652,7 +6621,7 @@
             <a:pPr algn="ctr"/>
             <a:r>
               <a:rPr lang="en-US" dirty="0"/>
-              <a:t>Shrinkage methods</a:t>
+              <a:t>Subset methods</a:t>
             </a:r>
           </a:p>
         </p:txBody>
@@ -6681,67 +6650,86 @@
         </p:spPr>
         <p:txBody>
           <a:bodyPr anchor="t">
-            <a:normAutofit/>
+            <a:normAutofit lnSpcReduction="10000"/>
           </a:bodyPr>
           <a:lstStyle/>
           <a:p>
             <a:r>
               <a:rPr lang="en-US" dirty="0"/>
-              <a:t>Ridge</a:t>
+              <a:t>Best subset is infeasible: 2</a:t>
+            </a:r>
+            <a:r>
+              <a:rPr lang="en-US" baseline="30000" dirty="0"/>
+              <a:t>47222</a:t>
+            </a:r>
+            <a:r>
+              <a:rPr lang="en-US" dirty="0"/>
+              <a:t> potential models is impossible to analyze</a:t>
+            </a:r>
+          </a:p>
+          <a:p>
+            <a:r>
+              <a:rPr lang="en-US" dirty="0"/>
+              <a:t>Backward stepwise</a:t>
             </a:r>
           </a:p>
           <a:p>
             <a:pPr lvl="1"/>
             <a:r>
               <a:rPr lang="en-US" dirty="0"/>
-              <a:t>Penalty for large coefficients</a:t>
+              <a:t>Start with complete model</a:t>
             </a:r>
           </a:p>
           <a:p>
             <a:pPr lvl="1"/>
             <a:r>
               <a:rPr lang="en-US" dirty="0"/>
-              <a:t>Doesn’t actually reduce the model dimensions</a:t>
-            </a:r>
-          </a:p>
-          <a:p>
-            <a:r>
-              <a:rPr lang="en-US" dirty="0"/>
-              <a:t>LASSO</a:t>
+              <a:t>Only can be used when P &lt; N</a:t>
+            </a:r>
+          </a:p>
+          <a:p>
+            <a:r>
+              <a:rPr lang="en-US" dirty="0"/>
+              <a:t>Forward Stepwise: O(47222 * 47222) models, large but not impossible</a:t>
             </a:r>
           </a:p>
           <a:p>
             <a:pPr lvl="1"/>
             <a:r>
               <a:rPr lang="en-US" dirty="0"/>
-              <a:t>Minimizes RSS with a penalty for large/many coefficients</a:t>
+              <a:t>Start with the NULL model (y ~ 1)</a:t>
             </a:r>
           </a:p>
           <a:p>
             <a:pPr lvl="1"/>
             <a:r>
               <a:rPr lang="en-US" dirty="0"/>
-              <a:t>Will reduce many coefficients to 0 </a:t>
+              <a:t>Only Forward method (start with null model) works when P &gt; N</a:t>
+            </a:r>
+          </a:p>
+          <a:p>
+            <a:pPr lvl="1"/>
+            <a:r>
+              <a:rPr lang="en-US" dirty="0"/>
+              <a:t>May still need to pre-filter genes with very low variation across the 24 samples to execute </a:t>
+            </a:r>
+          </a:p>
+          <a:p>
+            <a:pPr lvl="1"/>
+            <a:r>
+              <a:rPr lang="en-US" dirty="0"/>
+              <a:t>Logistic regression model appropriate to classification problem</a:t>
+            </a:r>
+          </a:p>
+          <a:p>
+            <a:pPr lvl="1"/>
+            <a:r>
+              <a:rPr lang="en-US" dirty="0"/>
+              <a:t>Scoring method is AIC on the training set</a:t>
             </a:r>
           </a:p>
           <a:p>
             <a:pPr lvl="2"/>
-            <a:r>
-              <a:rPr lang="en-US" dirty="0"/>
-              <a:t>These features  have no effect on the classification</a:t>
-            </a:r>
-          </a:p>
-          <a:p>
-            <a:pPr lvl="1"/>
-            <a:r>
-              <a:rPr lang="en-US" dirty="0"/>
-              <a:t>Dependent on the magnitude of the shrinkage factor</a:t>
-            </a:r>
-          </a:p>
-          <a:p>
-            <a:pPr marL="914400" lvl="2" indent="0">
-              <a:buNone/>
-            </a:pPr>
             <a:endParaRPr lang="en-US" dirty="0"/>
           </a:p>
           <a:p>
@@ -6764,7 +6752,7 @@
     </p:spTree>
     <p:extLst>
       <p:ext uri="{BB962C8B-B14F-4D97-AF65-F5344CB8AC3E}">
-        <p14:creationId xmlns:p14="http://schemas.microsoft.com/office/powerpoint/2010/main" val="1240527647"/>
+        <p14:creationId xmlns:p14="http://schemas.microsoft.com/office/powerpoint/2010/main" val="3091149631"/>
       </p:ext>
     </p:extLst>
   </p:cSld>
@@ -6820,15 +6808,7 @@
             <a:pPr algn="ctr"/>
             <a:r>
               <a:rPr lang="en-US" dirty="0"/>
-              <a:t>Principal components analysis (</a:t>
-            </a:r>
-            <a:r>
-              <a:rPr lang="en-US" dirty="0" err="1"/>
-              <a:t>pca</a:t>
-            </a:r>
-            <a:r>
-              <a:rPr lang="en-US" dirty="0"/>
-              <a:t>)</a:t>
+              <a:t>Shrinkage methods</a:t>
             </a:r>
           </a:p>
         </p:txBody>
@@ -6863,6 +6843,182 @@
           <a:p>
             <a:r>
               <a:rPr lang="en-US" dirty="0"/>
+              <a:t>Ridge</a:t>
+            </a:r>
+          </a:p>
+          <a:p>
+            <a:pPr lvl="1"/>
+            <a:r>
+              <a:rPr lang="en-US" dirty="0"/>
+              <a:t>Penalty for large coefficients</a:t>
+            </a:r>
+          </a:p>
+          <a:p>
+            <a:pPr lvl="1"/>
+            <a:r>
+              <a:rPr lang="en-US" dirty="0"/>
+              <a:t>Doesn’t actually reduce the model dimensions</a:t>
+            </a:r>
+          </a:p>
+          <a:p>
+            <a:r>
+              <a:rPr lang="en-US" dirty="0"/>
+              <a:t>LASSO</a:t>
+            </a:r>
+          </a:p>
+          <a:p>
+            <a:pPr lvl="1"/>
+            <a:r>
+              <a:rPr lang="en-US" dirty="0"/>
+              <a:t>Minimizes RSS with a penalty for large/many coefficients</a:t>
+            </a:r>
+          </a:p>
+          <a:p>
+            <a:pPr lvl="1"/>
+            <a:r>
+              <a:rPr lang="en-US" dirty="0"/>
+              <a:t>Will reduce many coefficients to 0 </a:t>
+            </a:r>
+          </a:p>
+          <a:p>
+            <a:pPr lvl="2"/>
+            <a:r>
+              <a:rPr lang="en-US" dirty="0"/>
+              <a:t>These features  have no effect on the classification</a:t>
+            </a:r>
+          </a:p>
+          <a:p>
+            <a:pPr lvl="1"/>
+            <a:r>
+              <a:rPr lang="en-US" dirty="0"/>
+              <a:t>Dependent on the magnitude of the shrinkage factor</a:t>
+            </a:r>
+          </a:p>
+          <a:p>
+            <a:pPr marL="914400" lvl="2" indent="0">
+              <a:buNone/>
+            </a:pPr>
+            <a:endParaRPr lang="en-US" dirty="0"/>
+          </a:p>
+          <a:p>
+            <a:pPr lvl="1"/>
+            <a:endParaRPr lang="en-US" dirty="0"/>
+          </a:p>
+          <a:p>
+            <a:pPr lvl="1"/>
+            <a:endParaRPr lang="en-US" dirty="0"/>
+          </a:p>
+          <a:p>
+            <a:endParaRPr lang="en-US" dirty="0"/>
+          </a:p>
+          <a:p>
+            <a:pPr lvl="1"/>
+            <a:endParaRPr lang="en-US" dirty="0"/>
+          </a:p>
+        </p:txBody>
+      </p:sp>
+    </p:spTree>
+    <p:extLst>
+      <p:ext uri="{BB962C8B-B14F-4D97-AF65-F5344CB8AC3E}">
+        <p14:creationId xmlns:p14="http://schemas.microsoft.com/office/powerpoint/2010/main" val="1240527647"/>
+      </p:ext>
+    </p:extLst>
+  </p:cSld>
+  <p:clrMapOvr>
+    <a:masterClrMapping/>
+  </p:clrMapOvr>
+</p:sld>
+</file>
+
+<file path=ppt/slides/slide5.xml><?xml version="1.0" encoding="utf-8"?>
+<p:sld xmlns:a="http://schemas.openxmlformats.org/drawingml/2006/main" xmlns:r="http://schemas.openxmlformats.org/officeDocument/2006/relationships" xmlns:p="http://schemas.openxmlformats.org/presentationml/2006/main">
+  <p:cSld>
+    <p:spTree>
+      <p:nvGrpSpPr>
+        <p:cNvPr id="1" name=""/>
+        <p:cNvGrpSpPr/>
+        <p:nvPr/>
+      </p:nvGrpSpPr>
+      <p:grpSpPr>
+        <a:xfrm>
+          <a:off x="0" y="0"/>
+          <a:ext cx="0" cy="0"/>
+          <a:chOff x="0" y="0"/>
+          <a:chExt cx="0" cy="0"/>
+        </a:xfrm>
+      </p:grpSpPr>
+      <p:sp>
+        <p:nvSpPr>
+          <p:cNvPr id="2" name="Title 1">
+            <a:extLst>
+              <a:ext uri="{FF2B5EF4-FFF2-40B4-BE49-F238E27FC236}">
+                <a16:creationId xmlns:a16="http://schemas.microsoft.com/office/drawing/2014/main" id="{B9B25C1E-4CD8-444B-A0BC-6C311768FD73}"/>
+              </a:ext>
+            </a:extLst>
+          </p:cNvPr>
+          <p:cNvSpPr>
+            <a:spLocks noGrp="1"/>
+          </p:cNvSpPr>
+          <p:nvPr>
+            <p:ph type="title"/>
+          </p:nvPr>
+        </p:nvSpPr>
+        <p:spPr>
+          <a:xfrm>
+            <a:off x="1141413" y="609600"/>
+            <a:ext cx="9905998" cy="874143"/>
+          </a:xfrm>
+        </p:spPr>
+        <p:txBody>
+          <a:bodyPr anchor="t"/>
+          <a:lstStyle/>
+          <a:p>
+            <a:pPr algn="ctr"/>
+            <a:r>
+              <a:rPr lang="en-US" dirty="0"/>
+              <a:t>Principal components analysis (</a:t>
+            </a:r>
+            <a:r>
+              <a:rPr lang="en-US" dirty="0" err="1"/>
+              <a:t>pca</a:t>
+            </a:r>
+            <a:r>
+              <a:rPr lang="en-US" dirty="0"/>
+              <a:t>)</a:t>
+            </a:r>
+          </a:p>
+        </p:txBody>
+      </p:sp>
+      <p:sp>
+        <p:nvSpPr>
+          <p:cNvPr id="3" name="Content Placeholder 2">
+            <a:extLst>
+              <a:ext uri="{FF2B5EF4-FFF2-40B4-BE49-F238E27FC236}">
+                <a16:creationId xmlns:a16="http://schemas.microsoft.com/office/drawing/2014/main" id="{087F0A0D-29DB-4415-BF23-897CA7F2C4B0}"/>
+              </a:ext>
+            </a:extLst>
+          </p:cNvPr>
+          <p:cNvSpPr>
+            <a:spLocks noGrp="1"/>
+          </p:cNvSpPr>
+          <p:nvPr>
+            <p:ph idx="1"/>
+          </p:nvPr>
+        </p:nvSpPr>
+        <p:spPr>
+          <a:xfrm>
+            <a:off x="1141413" y="1725283"/>
+            <a:ext cx="9905998" cy="4425351"/>
+          </a:xfrm>
+        </p:spPr>
+        <p:txBody>
+          <a:bodyPr anchor="t">
+            <a:normAutofit/>
+          </a:bodyPr>
+          <a:lstStyle/>
+          <a:p>
+            <a:r>
+              <a:rPr lang="en-US" dirty="0"/>
               <a:t>Good for reducing high dimensional data</a:t>
             </a:r>
           </a:p>
@@ -6883,13 +7039,8 @@
           <a:p>
             <a:r>
               <a:rPr lang="en-US" dirty="0"/>
-              <a:t>PVE calculation can be used to assess the “goodness” of the </a:t>
-            </a:r>
-            <a:r>
-              <a:rPr lang="en-US"/>
-              <a:t>reduced model</a:t>
-            </a:r>
-            <a:endParaRPr lang="en-US" dirty="0"/>
+              <a:t>PVE calculation can be used to assess the “goodness” of the reduced model</a:t>
+            </a:r>
           </a:p>
           <a:p>
             <a:pPr lvl="1"/>
@@ -6912,6 +7063,330 @@
     <p:extLst>
       <p:ext uri="{BB962C8B-B14F-4D97-AF65-F5344CB8AC3E}">
         <p14:creationId xmlns:p14="http://schemas.microsoft.com/office/powerpoint/2010/main" val="3952910073"/>
+      </p:ext>
+    </p:extLst>
+  </p:cSld>
+  <p:clrMapOvr>
+    <a:masterClrMapping/>
+  </p:clrMapOvr>
+</p:sld>
+</file>
+
+<file path=ppt/slides/slide6.xml><?xml version="1.0" encoding="utf-8"?>
+<p:sld xmlns:a="http://schemas.openxmlformats.org/drawingml/2006/main" xmlns:r="http://schemas.openxmlformats.org/officeDocument/2006/relationships" xmlns:p="http://schemas.openxmlformats.org/presentationml/2006/main">
+  <p:cSld>
+    <p:spTree>
+      <p:nvGrpSpPr>
+        <p:cNvPr id="1" name=""/>
+        <p:cNvGrpSpPr/>
+        <p:nvPr/>
+      </p:nvGrpSpPr>
+      <p:grpSpPr>
+        <a:xfrm>
+          <a:off x="0" y="0"/>
+          <a:ext cx="0" cy="0"/>
+          <a:chOff x="0" y="0"/>
+          <a:chExt cx="0" cy="0"/>
+        </a:xfrm>
+      </p:grpSpPr>
+      <p:sp>
+        <p:nvSpPr>
+          <p:cNvPr id="2" name="Title 1">
+            <a:extLst>
+              <a:ext uri="{FF2B5EF4-FFF2-40B4-BE49-F238E27FC236}">
+                <a16:creationId xmlns:a16="http://schemas.microsoft.com/office/drawing/2014/main" id="{B9B25C1E-4CD8-444B-A0BC-6C311768FD73}"/>
+              </a:ext>
+            </a:extLst>
+          </p:cNvPr>
+          <p:cNvSpPr>
+            <a:spLocks noGrp="1"/>
+          </p:cNvSpPr>
+          <p:nvPr>
+            <p:ph type="title"/>
+          </p:nvPr>
+        </p:nvSpPr>
+        <p:spPr>
+          <a:xfrm>
+            <a:off x="1141413" y="609600"/>
+            <a:ext cx="9905998" cy="874143"/>
+          </a:xfrm>
+        </p:spPr>
+        <p:txBody>
+          <a:bodyPr anchor="t"/>
+          <a:lstStyle/>
+          <a:p>
+            <a:pPr algn="ctr"/>
+            <a:r>
+              <a:rPr lang="en-US" dirty="0"/>
+              <a:t>Support Vector Machine (SVM)</a:t>
+            </a:r>
+          </a:p>
+        </p:txBody>
+      </p:sp>
+      <p:sp>
+        <p:nvSpPr>
+          <p:cNvPr id="3" name="Content Placeholder 2">
+            <a:extLst>
+              <a:ext uri="{FF2B5EF4-FFF2-40B4-BE49-F238E27FC236}">
+                <a16:creationId xmlns:a16="http://schemas.microsoft.com/office/drawing/2014/main" id="{087F0A0D-29DB-4415-BF23-897CA7F2C4B0}"/>
+              </a:ext>
+            </a:extLst>
+          </p:cNvPr>
+          <p:cNvSpPr>
+            <a:spLocks noGrp="1"/>
+          </p:cNvSpPr>
+          <p:nvPr>
+            <p:ph idx="1"/>
+          </p:nvPr>
+        </p:nvSpPr>
+        <p:spPr>
+          <a:xfrm>
+            <a:off x="1141413" y="1725283"/>
+            <a:ext cx="9905998" cy="4425351"/>
+          </a:xfrm>
+        </p:spPr>
+        <p:txBody>
+          <a:bodyPr anchor="t">
+            <a:normAutofit/>
+          </a:bodyPr>
+          <a:lstStyle/>
+          <a:p>
+            <a:r>
+              <a:rPr lang="en-US" dirty="0"/>
+              <a:t>Good for classifying data into categories</a:t>
+            </a:r>
+          </a:p>
+          <a:p>
+            <a:pPr lvl="1"/>
+            <a:r>
+              <a:rPr lang="en-US" dirty="0"/>
+              <a:t>A line is created which has the greatest margin.  Meaning it separates points with the greatest amount of separation</a:t>
+            </a:r>
+          </a:p>
+          <a:p>
+            <a:r>
+              <a:rPr lang="en-US" dirty="0"/>
+              <a:t>Here data was found to be linearly separable</a:t>
+            </a:r>
+          </a:p>
+          <a:p>
+            <a:pPr lvl="1"/>
+            <a:r>
+              <a:rPr lang="en-US" dirty="0"/>
+              <a:t>Not surprising given the number of columns was far greater than the number of rows (many more components than data points)</a:t>
+            </a:r>
+          </a:p>
+          <a:p>
+            <a:pPr lvl="1"/>
+            <a:r>
+              <a:rPr lang="en-US" dirty="0"/>
+              <a:t>Classified patients by whether they carried the disease</a:t>
+            </a:r>
+          </a:p>
+          <a:p>
+            <a:r>
+              <a:rPr lang="en-US" dirty="0"/>
+              <a:t>Using a grid search and 10 fold cross validation optimal values were found for the SVM</a:t>
+            </a:r>
+          </a:p>
+          <a:p>
+            <a:endParaRPr lang="en-US" dirty="0"/>
+          </a:p>
+          <a:p>
+            <a:pPr lvl="1"/>
+            <a:endParaRPr lang="en-US" dirty="0"/>
+          </a:p>
+          <a:p>
+            <a:pPr lvl="1"/>
+            <a:endParaRPr lang="en-US" dirty="0"/>
+          </a:p>
+          <a:p>
+            <a:endParaRPr lang="en-US" dirty="0"/>
+          </a:p>
+          <a:p>
+            <a:pPr lvl="1"/>
+            <a:endParaRPr lang="en-US" dirty="0"/>
+          </a:p>
+        </p:txBody>
+      </p:sp>
+    </p:spTree>
+    <p:extLst>
+      <p:ext uri="{BB962C8B-B14F-4D97-AF65-F5344CB8AC3E}">
+        <p14:creationId xmlns:p14="http://schemas.microsoft.com/office/powerpoint/2010/main" val="3142220206"/>
+      </p:ext>
+    </p:extLst>
+  </p:cSld>
+  <p:clrMapOvr>
+    <a:masterClrMapping/>
+  </p:clrMapOvr>
+</p:sld>
+</file>
+
+<file path=ppt/slides/slide7.xml><?xml version="1.0" encoding="utf-8"?>
+<p:sld xmlns:a="http://schemas.openxmlformats.org/drawingml/2006/main" xmlns:r="http://schemas.openxmlformats.org/officeDocument/2006/relationships" xmlns:p="http://schemas.openxmlformats.org/presentationml/2006/main">
+  <p:cSld>
+    <p:spTree>
+      <p:nvGrpSpPr>
+        <p:cNvPr id="1" name=""/>
+        <p:cNvGrpSpPr/>
+        <p:nvPr/>
+      </p:nvGrpSpPr>
+      <p:grpSpPr>
+        <a:xfrm>
+          <a:off x="0" y="0"/>
+          <a:ext cx="0" cy="0"/>
+          <a:chOff x="0" y="0"/>
+          <a:chExt cx="0" cy="0"/>
+        </a:xfrm>
+      </p:grpSpPr>
+      <p:sp>
+        <p:nvSpPr>
+          <p:cNvPr id="2" name="Title 1">
+            <a:extLst>
+              <a:ext uri="{FF2B5EF4-FFF2-40B4-BE49-F238E27FC236}">
+                <a16:creationId xmlns:a16="http://schemas.microsoft.com/office/drawing/2014/main" id="{B9B25C1E-4CD8-444B-A0BC-6C311768FD73}"/>
+              </a:ext>
+            </a:extLst>
+          </p:cNvPr>
+          <p:cNvSpPr>
+            <a:spLocks noGrp="1"/>
+          </p:cNvSpPr>
+          <p:nvPr>
+            <p:ph type="title"/>
+          </p:nvPr>
+        </p:nvSpPr>
+        <p:spPr>
+          <a:xfrm>
+            <a:off x="1141413" y="609600"/>
+            <a:ext cx="9905998" cy="874143"/>
+          </a:xfrm>
+        </p:spPr>
+        <p:txBody>
+          <a:bodyPr anchor="t"/>
+          <a:lstStyle/>
+          <a:p>
+            <a:pPr algn="ctr"/>
+            <a:r>
+              <a:rPr lang="en-US" dirty="0"/>
+              <a:t>K means Clustering</a:t>
+            </a:r>
+          </a:p>
+        </p:txBody>
+      </p:sp>
+      <p:sp>
+        <p:nvSpPr>
+          <p:cNvPr id="3" name="Content Placeholder 2">
+            <a:extLst>
+              <a:ext uri="{FF2B5EF4-FFF2-40B4-BE49-F238E27FC236}">
+                <a16:creationId xmlns:a16="http://schemas.microsoft.com/office/drawing/2014/main" id="{087F0A0D-29DB-4415-BF23-897CA7F2C4B0}"/>
+              </a:ext>
+            </a:extLst>
+          </p:cNvPr>
+          <p:cNvSpPr>
+            <a:spLocks noGrp="1"/>
+          </p:cNvSpPr>
+          <p:nvPr>
+            <p:ph idx="1"/>
+          </p:nvPr>
+        </p:nvSpPr>
+        <p:spPr>
+          <a:xfrm>
+            <a:off x="1141413" y="1725283"/>
+            <a:ext cx="9905998" cy="4425351"/>
+          </a:xfrm>
+        </p:spPr>
+        <p:txBody>
+          <a:bodyPr anchor="t">
+            <a:normAutofit/>
+          </a:bodyPr>
+          <a:lstStyle/>
+          <a:p>
+            <a:r>
+              <a:rPr lang="en-US" dirty="0" err="1"/>
+              <a:t>Kmeans</a:t>
+            </a:r>
+            <a:r>
+              <a:rPr lang="en-US" dirty="0"/>
+              <a:t> clustering is a very common example of Unsupervised learning</a:t>
+            </a:r>
+          </a:p>
+          <a:p>
+            <a:pPr lvl="1"/>
+            <a:r>
+              <a:rPr lang="en-US" dirty="0"/>
+              <a:t>In unsupervised learning data labels are not considered (often not available)</a:t>
+            </a:r>
+          </a:p>
+          <a:p>
+            <a:pPr lvl="1"/>
+            <a:r>
+              <a:rPr lang="en-US" dirty="0" err="1"/>
+              <a:t>Kmeans</a:t>
+            </a:r>
+            <a:r>
+              <a:rPr lang="en-US" dirty="0"/>
+              <a:t> attempts to group data into K groups by finding best means and the points closest to them</a:t>
+            </a:r>
+          </a:p>
+          <a:p>
+            <a:pPr lvl="1"/>
+            <a:r>
+              <a:rPr lang="en-US" dirty="0"/>
+              <a:t>How distance is calculated is therefore very important.  Both Manhattan and Euclidean distance were examined, however Euclidean was used.</a:t>
+            </a:r>
+          </a:p>
+          <a:p>
+            <a:r>
+              <a:rPr lang="en-US" dirty="0"/>
+              <a:t>Here data the clusters did not revolve around the presence of the disease.</a:t>
+            </a:r>
+          </a:p>
+          <a:p>
+            <a:pPr lvl="1"/>
+            <a:r>
+              <a:rPr lang="en-US" dirty="0"/>
+              <a:t>At first </a:t>
+            </a:r>
+            <a:r>
+              <a:rPr lang="en-US" dirty="0" err="1"/>
+              <a:t>Kmeans</a:t>
+            </a:r>
+            <a:r>
+              <a:rPr lang="en-US" dirty="0"/>
+              <a:t> was attempted with 2 clusters, but then more clusters were tried.  Whether a given patient had psoriasis did not contribute to the algorithm clustering the data one way or another</a:t>
+            </a:r>
+          </a:p>
+          <a:p>
+            <a:pPr lvl="1"/>
+            <a:r>
+              <a:rPr lang="en-US" dirty="0"/>
+              <a:t>At larger number of clusters, there was a slight correlation, but not drastic</a:t>
+            </a:r>
+          </a:p>
+          <a:p>
+            <a:endParaRPr lang="en-US" dirty="0"/>
+          </a:p>
+          <a:p>
+            <a:pPr lvl="1"/>
+            <a:endParaRPr lang="en-US" dirty="0"/>
+          </a:p>
+          <a:p>
+            <a:pPr lvl="1"/>
+            <a:endParaRPr lang="en-US" dirty="0"/>
+          </a:p>
+          <a:p>
+            <a:endParaRPr lang="en-US" dirty="0"/>
+          </a:p>
+          <a:p>
+            <a:pPr lvl="1"/>
+            <a:endParaRPr lang="en-US" dirty="0"/>
+          </a:p>
+        </p:txBody>
+      </p:sp>
+    </p:spTree>
+    <p:extLst>
+      <p:ext uri="{BB962C8B-B14F-4D97-AF65-F5344CB8AC3E}">
+        <p14:creationId xmlns:p14="http://schemas.microsoft.com/office/powerpoint/2010/main" val="339756068"/>
       </p:ext>
     </p:extLst>
   </p:cSld>
@@ -7439,12 +7914,9 @@
 </file>
 
 <file path=customXml/item1.xml><?xml version="1.0" encoding="utf-8"?>
-<?mso-contentType ?>
-<FormTemplates xmlns="http://schemas.microsoft.com/sharepoint/v3/contenttype/forms">
-  <Display>DocumentLibraryForm</Display>
-  <Edit>DocumentLibraryForm</Edit>
-  <New>DocumentLibraryForm</New>
-</FormTemplates>
+<p:properties xmlns:p="http://schemas.microsoft.com/office/2006/metadata/properties" xmlns:xsi="http://www.w3.org/2001/XMLSchema-instance" xmlns:pc="http://schemas.microsoft.com/office/infopath/2007/PartnerControls">
+  <documentManagement/>
+</p:properties>
 </file>
 
 <file path=customXml/item2.xml><?xml version="1.0" encoding="utf-8"?>
@@ -7562,15 +8034,25 @@
 </file>
 
 <file path=customXml/item3.xml><?xml version="1.0" encoding="utf-8"?>
-<p:properties xmlns:p="http://schemas.microsoft.com/office/2006/metadata/properties" xmlns:xsi="http://www.w3.org/2001/XMLSchema-instance" xmlns:pc="http://schemas.microsoft.com/office/infopath/2007/PartnerControls">
-  <documentManagement/>
-</p:properties>
+<?mso-contentType ?>
+<FormTemplates xmlns="http://schemas.microsoft.com/sharepoint/v3/contenttype/forms">
+  <Display>DocumentLibraryForm</Display>
+  <Edit>DocumentLibraryForm</Edit>
+  <New>DocumentLibraryForm</New>
+</FormTemplates>
 </file>
 
 <file path=customXml/itemProps1.xml><?xml version="1.0" encoding="utf-8"?>
-<ds:datastoreItem xmlns:ds="http://schemas.openxmlformats.org/officeDocument/2006/customXml" ds:itemID="{3871F0CC-D36D-47A2-A213-DE30848665C5}">
+<ds:datastoreItem xmlns:ds="http://schemas.openxmlformats.org/officeDocument/2006/customXml" ds:itemID="{811ECB39-6B4E-4C1A-9520-8AEF83CC4809}">
   <ds:schemaRefs>
-    <ds:schemaRef ds:uri="http://schemas.microsoft.com/sharepoint/v3/contenttype/forms"/>
+    <ds:schemaRef ds:uri="http://purl.org/dc/terms/"/>
+    <ds:schemaRef ds:uri="http://schemas.openxmlformats.org/package/2006/metadata/core-properties"/>
+    <ds:schemaRef ds:uri="http://schemas.microsoft.com/office/2006/documentManagement/types"/>
+    <ds:schemaRef ds:uri="http://schemas.microsoft.com/office/infopath/2007/PartnerControls"/>
+    <ds:schemaRef ds:uri="http://purl.org/dc/elements/1.1/"/>
+    <ds:schemaRef ds:uri="http://schemas.microsoft.com/office/2006/metadata/properties"/>
+    <ds:schemaRef ds:uri="http://www.w3.org/XML/1998/namespace"/>
+    <ds:schemaRef ds:uri="http://purl.org/dc/dcmitype/"/>
   </ds:schemaRefs>
 </ds:datastoreItem>
 </file>
@@ -7592,16 +8074,9 @@
 </file>
 
 <file path=customXml/itemProps3.xml><?xml version="1.0" encoding="utf-8"?>
-<ds:datastoreItem xmlns:ds="http://schemas.openxmlformats.org/officeDocument/2006/customXml" ds:itemID="{811ECB39-6B4E-4C1A-9520-8AEF83CC4809}">
+<ds:datastoreItem xmlns:ds="http://schemas.openxmlformats.org/officeDocument/2006/customXml" ds:itemID="{3871F0CC-D36D-47A2-A213-DE30848665C5}">
   <ds:schemaRefs>
-    <ds:schemaRef ds:uri="http://purl.org/dc/terms/"/>
-    <ds:schemaRef ds:uri="http://schemas.openxmlformats.org/package/2006/metadata/core-properties"/>
-    <ds:schemaRef ds:uri="http://schemas.microsoft.com/office/2006/documentManagement/types"/>
-    <ds:schemaRef ds:uri="http://schemas.microsoft.com/office/infopath/2007/PartnerControls"/>
-    <ds:schemaRef ds:uri="http://purl.org/dc/elements/1.1/"/>
-    <ds:schemaRef ds:uri="http://schemas.microsoft.com/office/2006/metadata/properties"/>
-    <ds:schemaRef ds:uri="http://www.w3.org/XML/1998/namespace"/>
-    <ds:schemaRef ds:uri="http://purl.org/dc/dcmitype/"/>
+    <ds:schemaRef ds:uri="http://schemas.microsoft.com/sharepoint/v3/contenttype/forms"/>
   </ds:schemaRefs>
 </ds:datastoreItem>
 </file>